--- a/G12答辩PPT.pptx
+++ b/G12答辩PPT.pptx
@@ -5,26 +5,27 @@
     <p:sldMasterId id="2147483648" r:id="rId1"/>
   </p:sldMasterIdLst>
   <p:notesMasterIdLst>
-    <p:notesMasterId r:id="rId16"/>
+    <p:notesMasterId r:id="rId17"/>
   </p:notesMasterIdLst>
   <p:handoutMasterIdLst>
-    <p:handoutMasterId r:id="rId17"/>
+    <p:handoutMasterId r:id="rId18"/>
   </p:handoutMasterIdLst>
   <p:sldIdLst>
     <p:sldId id="275" r:id="rId2"/>
     <p:sldId id="272" r:id="rId3"/>
     <p:sldId id="280" r:id="rId4"/>
     <p:sldId id="258" r:id="rId5"/>
-    <p:sldId id="284" r:id="rId6"/>
-    <p:sldId id="281" r:id="rId7"/>
-    <p:sldId id="261" r:id="rId8"/>
-    <p:sldId id="285" r:id="rId9"/>
+    <p:sldId id="281" r:id="rId6"/>
+    <p:sldId id="261" r:id="rId7"/>
+    <p:sldId id="285" r:id="rId8"/>
+    <p:sldId id="284" r:id="rId9"/>
     <p:sldId id="259" r:id="rId10"/>
     <p:sldId id="282" r:id="rId11"/>
     <p:sldId id="263" r:id="rId12"/>
-    <p:sldId id="283" r:id="rId13"/>
-    <p:sldId id="274" r:id="rId14"/>
-    <p:sldId id="276" r:id="rId15"/>
+    <p:sldId id="286" r:id="rId13"/>
+    <p:sldId id="283" r:id="rId14"/>
+    <p:sldId id="274" r:id="rId15"/>
+    <p:sldId id="276" r:id="rId16"/>
   </p:sldIdLst>
   <p:sldSz cx="12192000" cy="6858000"/>
   <p:notesSz cx="6858000" cy="9144000"/>
@@ -238,7 +239,7 @@
           <a:p>
             <a:fld id="{599FB382-3D9B-4346-987F-99D71E9C8B9E}" type="datetimeFigureOut">
               <a:rPr lang="zh-CN" altLang="en-US" smtClean="0"/>
-              <a:t>2019/10/30</a:t>
+              <a:t>2019/11/4</a:t>
             </a:fld>
             <a:endParaRPr lang="zh-CN" altLang="en-US"/>
           </a:p>
@@ -403,7 +404,7 @@
           <a:p>
             <a:fld id="{A7B3C0A3-BB4C-4E75-8C09-0BD5B3C6AD06}" type="datetimeFigureOut">
               <a:rPr lang="zh-CN" altLang="en-US" smtClean="0"/>
-              <a:t>2019/10/30</a:t>
+              <a:t>2019/11/4</a:t>
             </a:fld>
             <a:endParaRPr lang="zh-CN" altLang="en-US"/>
           </a:p>
@@ -898,6 +899,95 @@
     </p:spTree>
     <p:extLst>
       <p:ext uri="{BB962C8B-B14F-4D97-AF65-F5344CB8AC3E}">
+        <p14:creationId xmlns:p14="http://schemas.microsoft.com/office/powerpoint/2010/main" val="337646762"/>
+      </p:ext>
+    </p:extLst>
+  </p:cSld>
+  <p:clrMapOvr>
+    <a:masterClrMapping/>
+  </p:clrMapOvr>
+</p:notes>
+</file>
+
+<file path=ppt/notesSlides/notesSlide11.xml><?xml version="1.0" encoding="utf-8"?>
+<p:notes xmlns:a="http://schemas.openxmlformats.org/drawingml/2006/main" xmlns:r="http://schemas.openxmlformats.org/officeDocument/2006/relationships" xmlns:p="http://schemas.openxmlformats.org/presentationml/2006/main">
+  <p:cSld>
+    <p:spTree>
+      <p:nvGrpSpPr>
+        <p:cNvPr id="1" name=""/>
+        <p:cNvGrpSpPr/>
+        <p:nvPr/>
+      </p:nvGrpSpPr>
+      <p:grpSpPr>
+        <a:xfrm>
+          <a:off x="0" y="0"/>
+          <a:ext cx="0" cy="0"/>
+          <a:chOff x="0" y="0"/>
+          <a:chExt cx="0" cy="0"/>
+        </a:xfrm>
+      </p:grpSpPr>
+      <p:sp>
+        <p:nvSpPr>
+          <p:cNvPr id="2" name="幻灯片图像占位符 1"/>
+          <p:cNvSpPr>
+            <a:spLocks noGrp="1" noRot="1" noChangeAspect="1"/>
+          </p:cNvSpPr>
+          <p:nvPr>
+            <p:ph type="sldImg"/>
+          </p:nvPr>
+        </p:nvSpPr>
+        <p:spPr>
+          <a:xfrm>
+            <a:off x="381000" y="685800"/>
+            <a:ext cx="6096000" cy="3429000"/>
+          </a:xfrm>
+        </p:spPr>
+      </p:sp>
+      <p:sp>
+        <p:nvSpPr>
+          <p:cNvPr id="3" name="备注占位符 2"/>
+          <p:cNvSpPr>
+            <a:spLocks noGrp="1"/>
+          </p:cNvSpPr>
+          <p:nvPr>
+            <p:ph type="body" idx="1"/>
+          </p:nvPr>
+        </p:nvSpPr>
+        <p:spPr/>
+        <p:txBody>
+          <a:bodyPr/>
+          <a:lstStyle/>
+          <a:p>
+            <a:endParaRPr lang="zh-CN" altLang="en-US"/>
+          </a:p>
+        </p:txBody>
+      </p:sp>
+      <p:sp>
+        <p:nvSpPr>
+          <p:cNvPr id="4" name="灯片编号占位符 3"/>
+          <p:cNvSpPr>
+            <a:spLocks noGrp="1"/>
+          </p:cNvSpPr>
+          <p:nvPr>
+            <p:ph type="sldNum" sz="quarter" idx="10"/>
+          </p:nvPr>
+        </p:nvSpPr>
+        <p:spPr/>
+        <p:txBody>
+          <a:bodyPr/>
+          <a:lstStyle/>
+          <a:p>
+            <a:fld id="{298BA3E8-04D0-482A-842B-D2E551459FA3}" type="slidenum">
+              <a:rPr lang="zh-CN" altLang="en-US" smtClean="0"/>
+              <a:t>15</a:t>
+            </a:fld>
+            <a:endParaRPr lang="zh-CN" altLang="en-US"/>
+          </a:p>
+        </p:txBody>
+      </p:sp>
+    </p:spTree>
+    <p:extLst>
+      <p:ext uri="{BB962C8B-B14F-4D97-AF65-F5344CB8AC3E}">
         <p14:creationId xmlns:p14="http://schemas.microsoft.com/office/powerpoint/2010/main" val="2079185560"/>
       </p:ext>
     </p:extLst>
@@ -1156,7 +1246,7 @@
           <a:p>
             <a:fld id="{298BA3E8-04D0-482A-842B-D2E551459FA3}" type="slidenum">
               <a:rPr lang="zh-CN" altLang="en-US" smtClean="0"/>
-              <a:t>5</a:t>
+              <a:t>6</a:t>
             </a:fld>
             <a:endParaRPr lang="zh-CN" altLang="en-US"/>
           </a:p>
@@ -1165,7 +1255,7 @@
     </p:spTree>
     <p:extLst>
       <p:ext uri="{BB962C8B-B14F-4D97-AF65-F5344CB8AC3E}">
-        <p14:creationId xmlns:p14="http://schemas.microsoft.com/office/powerpoint/2010/main" val="1886468255"/>
+        <p14:creationId xmlns:p14="http://schemas.microsoft.com/office/powerpoint/2010/main" val="2762700357"/>
       </p:ext>
     </p:extLst>
   </p:cSld>
@@ -1254,7 +1344,7 @@
     </p:spTree>
     <p:extLst>
       <p:ext uri="{BB962C8B-B14F-4D97-AF65-F5344CB8AC3E}">
-        <p14:creationId xmlns:p14="http://schemas.microsoft.com/office/powerpoint/2010/main" val="2762700357"/>
+        <p14:creationId xmlns:p14="http://schemas.microsoft.com/office/powerpoint/2010/main" val="1630067287"/>
       </p:ext>
     </p:extLst>
   </p:cSld>
@@ -1343,7 +1433,7 @@
     </p:spTree>
     <p:extLst>
       <p:ext uri="{BB962C8B-B14F-4D97-AF65-F5344CB8AC3E}">
-        <p14:creationId xmlns:p14="http://schemas.microsoft.com/office/powerpoint/2010/main" val="1630067287"/>
+        <p14:creationId xmlns:p14="http://schemas.microsoft.com/office/powerpoint/2010/main" val="1886468255"/>
       </p:ext>
     </p:extLst>
   </p:cSld>
@@ -1601,7 +1691,7 @@
           <a:p>
             <a:fld id="{298BA3E8-04D0-482A-842B-D2E551459FA3}" type="slidenum">
               <a:rPr lang="zh-CN" altLang="en-US" smtClean="0"/>
-              <a:t>13</a:t>
+              <a:t>12</a:t>
             </a:fld>
             <a:endParaRPr lang="zh-CN" altLang="en-US"/>
           </a:p>
@@ -1610,7 +1700,7 @@
     </p:spTree>
     <p:extLst>
       <p:ext uri="{BB962C8B-B14F-4D97-AF65-F5344CB8AC3E}">
-        <p14:creationId xmlns:p14="http://schemas.microsoft.com/office/powerpoint/2010/main" val="337646762"/>
+        <p14:creationId xmlns:p14="http://schemas.microsoft.com/office/powerpoint/2010/main" val="485121125"/>
       </p:ext>
     </p:extLst>
   </p:cSld>
@@ -1799,7 +1889,7 @@
           <a:p>
             <a:fld id="{530820CF-B880-4189-942D-D702A7CBA730}" type="datetimeFigureOut">
               <a:rPr lang="zh-CN" altLang="en-US" smtClean="0"/>
-              <a:t>2019/10/30</a:t>
+              <a:t>2019/11/4</a:t>
             </a:fld>
             <a:endParaRPr lang="zh-CN" altLang="en-US"/>
           </a:p>
@@ -1962,7 +2052,7 @@
           <a:p>
             <a:fld id="{530820CF-B880-4189-942D-D702A7CBA730}" type="datetimeFigureOut">
               <a:rPr lang="zh-CN" altLang="en-US" smtClean="0"/>
-              <a:t>2019/10/30</a:t>
+              <a:t>2019/11/4</a:t>
             </a:fld>
             <a:endParaRPr lang="zh-CN" altLang="en-US"/>
           </a:p>
@@ -2135,7 +2225,7 @@
           <a:p>
             <a:fld id="{530820CF-B880-4189-942D-D702A7CBA730}" type="datetimeFigureOut">
               <a:rPr lang="zh-CN" altLang="en-US" smtClean="0"/>
-              <a:t>2019/10/30</a:t>
+              <a:t>2019/11/4</a:t>
             </a:fld>
             <a:endParaRPr lang="zh-CN" altLang="en-US"/>
           </a:p>
@@ -2298,7 +2388,7 @@
           <a:p>
             <a:fld id="{530820CF-B880-4189-942D-D702A7CBA730}" type="datetimeFigureOut">
               <a:rPr lang="zh-CN" altLang="en-US" smtClean="0"/>
-              <a:t>2019/10/30</a:t>
+              <a:t>2019/11/4</a:t>
             </a:fld>
             <a:endParaRPr lang="zh-CN" altLang="en-US"/>
           </a:p>
@@ -2538,7 +2628,7 @@
           <a:p>
             <a:fld id="{530820CF-B880-4189-942D-D702A7CBA730}" type="datetimeFigureOut">
               <a:rPr lang="zh-CN" altLang="en-US" smtClean="0"/>
-              <a:t>2019/10/30</a:t>
+              <a:t>2019/11/4</a:t>
             </a:fld>
             <a:endParaRPr lang="zh-CN" altLang="en-US"/>
           </a:p>
@@ -2818,7 +2908,7 @@
           <a:p>
             <a:fld id="{530820CF-B880-4189-942D-D702A7CBA730}" type="datetimeFigureOut">
               <a:rPr lang="zh-CN" altLang="en-US" smtClean="0"/>
-              <a:t>2019/10/30</a:t>
+              <a:t>2019/11/4</a:t>
             </a:fld>
             <a:endParaRPr lang="zh-CN" altLang="en-US"/>
           </a:p>
@@ -3232,7 +3322,7 @@
           <a:p>
             <a:fld id="{530820CF-B880-4189-942D-D702A7CBA730}" type="datetimeFigureOut">
               <a:rPr lang="zh-CN" altLang="en-US" smtClean="0"/>
-              <a:t>2019/10/30</a:t>
+              <a:t>2019/11/4</a:t>
             </a:fld>
             <a:endParaRPr lang="zh-CN" altLang="en-US"/>
           </a:p>
@@ -3344,7 +3434,7 @@
           <a:p>
             <a:fld id="{530820CF-B880-4189-942D-D702A7CBA730}" type="datetimeFigureOut">
               <a:rPr lang="zh-CN" altLang="en-US" smtClean="0"/>
-              <a:t>2019/10/30</a:t>
+              <a:t>2019/11/4</a:t>
             </a:fld>
             <a:endParaRPr lang="zh-CN" altLang="en-US"/>
           </a:p>
@@ -3434,7 +3524,7 @@
           <a:p>
             <a:fld id="{530820CF-B880-4189-942D-D702A7CBA730}" type="datetimeFigureOut">
               <a:rPr lang="zh-CN" altLang="en-US" smtClean="0"/>
-              <a:t>2019/10/30</a:t>
+              <a:t>2019/11/4</a:t>
             </a:fld>
             <a:endParaRPr lang="zh-CN" altLang="en-US"/>
           </a:p>
@@ -3704,7 +3794,7 @@
           <a:p>
             <a:fld id="{530820CF-B880-4189-942D-D702A7CBA730}" type="datetimeFigureOut">
               <a:rPr lang="zh-CN" altLang="en-US" smtClean="0"/>
-              <a:t>2019/10/30</a:t>
+              <a:t>2019/11/4</a:t>
             </a:fld>
             <a:endParaRPr lang="zh-CN" altLang="en-US"/>
           </a:p>
@@ -3951,7 +4041,7 @@
           <a:p>
             <a:fld id="{530820CF-B880-4189-942D-D702A7CBA730}" type="datetimeFigureOut">
               <a:rPr lang="zh-CN" altLang="en-US" smtClean="0"/>
-              <a:t>2019/10/30</a:t>
+              <a:t>2019/11/4</a:t>
             </a:fld>
             <a:endParaRPr lang="zh-CN" altLang="en-US"/>
           </a:p>
@@ -4616,7 +4706,7 @@
           <a:p>
             <a:fld id="{530820CF-B880-4189-942D-D702A7CBA730}" type="datetimeFigureOut">
               <a:rPr lang="zh-CN" altLang="en-US" smtClean="0"/>
-              <a:t>2019/10/30</a:t>
+              <a:t>2019/11/4</a:t>
             </a:fld>
             <a:endParaRPr lang="zh-CN" altLang="en-US"/>
           </a:p>
@@ -8204,6 +8294,145 @@
       </p:grpSpPr>
       <p:sp>
         <p:nvSpPr>
+          <p:cNvPr id="2" name="矩形 1"/>
+          <p:cNvSpPr/>
+          <p:nvPr/>
+        </p:nvSpPr>
+        <p:spPr>
+          <a:xfrm>
+            <a:off x="1199456" y="332656"/>
+            <a:ext cx="4370421" cy="461665"/>
+          </a:xfrm>
+          <a:prstGeom prst="rect">
+            <a:avLst/>
+          </a:prstGeom>
+        </p:spPr>
+        <p:txBody>
+          <a:bodyPr wrap="square">
+            <a:spAutoFit/>
+          </a:bodyPr>
+          <a:lstStyle/>
+          <a:p>
+            <a:r>
+              <a:rPr lang="zh-CN" altLang="en-US" sz="2400" b="1" dirty="0">
+                <a:gradFill>
+                  <a:gsLst>
+                    <a:gs pos="100000">
+                      <a:srgbClr val="398EB6"/>
+                    </a:gs>
+                    <a:gs pos="0">
+                      <a:srgbClr val="B4DAF1"/>
+                    </a:gs>
+                  </a:gsLst>
+                  <a:path path="circle">
+                    <a:fillToRect l="50000" t="50000" r="50000" b="50000"/>
+                  </a:path>
+                </a:gradFill>
+                <a:latin typeface="微软雅黑" pitchFamily="34" charset="-122"/>
+                <a:ea typeface="微软雅黑" pitchFamily="34" charset="-122"/>
+              </a:rPr>
+              <a:t>项目成果展示</a:t>
+            </a:r>
+          </a:p>
+        </p:txBody>
+      </p:sp>
+      <p:sp>
+        <p:nvSpPr>
+          <p:cNvPr id="3" name="文本框 2">
+            <a:extLst>
+              <a:ext uri="{FF2B5EF4-FFF2-40B4-BE49-F238E27FC236}">
+                <a16:creationId xmlns:a16="http://schemas.microsoft.com/office/drawing/2014/main" id="{C2382407-384B-4D25-B281-55BE64C59256}"/>
+              </a:ext>
+            </a:extLst>
+          </p:cNvPr>
+          <p:cNvSpPr txBox="1"/>
+          <p:nvPr/>
+        </p:nvSpPr>
+        <p:spPr>
+          <a:xfrm>
+            <a:off x="4867939" y="2492896"/>
+            <a:ext cx="2456122" cy="523220"/>
+          </a:xfrm>
+          <a:prstGeom prst="rect">
+            <a:avLst/>
+          </a:prstGeom>
+          <a:noFill/>
+        </p:spPr>
+        <p:txBody>
+          <a:bodyPr wrap="none" rtlCol="0">
+            <a:spAutoFit/>
+          </a:bodyPr>
+          <a:lstStyle/>
+          <a:p>
+            <a:pPr algn="ctr"/>
+            <a:r>
+              <a:rPr lang="zh-CN" altLang="en-US" sz="2800" dirty="0">
+                <a:solidFill>
+                  <a:schemeClr val="bg1"/>
+                </a:solidFill>
+              </a:rPr>
+              <a:t>请看现场演示</a:t>
+            </a:r>
+            <a:r>
+              <a:rPr lang="en-US" altLang="zh-CN" sz="2800" dirty="0">
+                <a:solidFill>
+                  <a:schemeClr val="bg1"/>
+                </a:solidFill>
+              </a:rPr>
+              <a:t>!</a:t>
+            </a:r>
+            <a:endParaRPr lang="zh-CN" altLang="en-US" sz="2800" dirty="0">
+              <a:solidFill>
+                <a:schemeClr val="bg1"/>
+              </a:solidFill>
+            </a:endParaRPr>
+          </a:p>
+        </p:txBody>
+      </p:sp>
+    </p:spTree>
+    <p:extLst>
+      <p:ext uri="{BB962C8B-B14F-4D97-AF65-F5344CB8AC3E}">
+        <p14:creationId xmlns:p14="http://schemas.microsoft.com/office/powerpoint/2010/main" val="2933020388"/>
+      </p:ext>
+    </p:extLst>
+  </p:cSld>
+  <p:clrMapOvr>
+    <a:masterClrMapping/>
+  </p:clrMapOvr>
+  <mc:AlternateContent xmlns:mc="http://schemas.openxmlformats.org/markup-compatibility/2006" xmlns:p14="http://schemas.microsoft.com/office/powerpoint/2010/main">
+    <mc:Choice Requires="p14">
+      <p:transition spd="slow" p14:dur="2000" advTm="5074">
+        <p14:reveal dir="r"/>
+      </p:transition>
+    </mc:Choice>
+    <mc:Fallback xmlns="">
+      <p:transition spd="slow" advTm="5074">
+        <p:fade/>
+      </p:transition>
+    </mc:Fallback>
+  </mc:AlternateContent>
+</p:sld>
+</file>
+
+<file path=ppt/slides/slide13.xml><?xml version="1.0" encoding="utf-8"?>
+<p:sld xmlns:a="http://schemas.openxmlformats.org/drawingml/2006/main" xmlns:r="http://schemas.openxmlformats.org/officeDocument/2006/relationships" xmlns:p="http://schemas.openxmlformats.org/presentationml/2006/main">
+  <p:cSld>
+    <p:spTree>
+      <p:nvGrpSpPr>
+        <p:cNvPr id="1" name=""/>
+        <p:cNvGrpSpPr/>
+        <p:nvPr/>
+      </p:nvGrpSpPr>
+      <p:grpSpPr>
+        <a:xfrm>
+          <a:off x="0" y="0"/>
+          <a:ext cx="0" cy="0"/>
+          <a:chOff x="0" y="0"/>
+          <a:chExt cx="0" cy="0"/>
+        </a:xfrm>
+      </p:grpSpPr>
+      <p:sp>
+        <p:nvSpPr>
           <p:cNvPr id="2" name="流程图: 资料带 1">
             <a:extLst>
               <a:ext uri="{FF2B5EF4-FFF2-40B4-BE49-F238E27FC236}">
@@ -8294,7 +8523,7 @@
 </p:sld>
 </file>
 
-<file path=ppt/slides/slide13.xml><?xml version="1.0" encoding="utf-8"?>
+<file path=ppt/slides/slide14.xml><?xml version="1.0" encoding="utf-8"?>
 <p:sld xmlns:a="http://schemas.openxmlformats.org/drawingml/2006/main" xmlns:r="http://schemas.openxmlformats.org/officeDocument/2006/relationships" xmlns:p="http://schemas.openxmlformats.org/presentationml/2006/main">
   <p:cSld>
     <p:spTree>
@@ -8384,12 +8613,66 @@
           <a:lstStyle/>
           <a:p>
             <a:r>
+              <a:rPr lang="en-US" altLang="zh-CN" sz="2000" dirty="0">
+                <a:solidFill>
+                  <a:schemeClr val="bg1"/>
+                </a:solidFill>
+              </a:rPr>
+              <a:t>1. </a:t>
+            </a:r>
+            <a:r>
               <a:rPr lang="zh-CN" altLang="en-US" sz="2000" dirty="0">
                 <a:solidFill>
                   <a:schemeClr val="bg1"/>
                 </a:solidFill>
               </a:rPr>
-              <a:t>基本完成了项目的预设目标，能够利用手势与电脑进行交互，实时地捕获图像，并对所捕获的图像进行图像风格迁移后进行预览保存，也能够查看之前所保存的进行风格迁移后的图片。</a:t>
+              <a:t>基本完成了项目的预设目标，能够利用手势与电脑进行交互，实时地捕获图像；</a:t>
+            </a:r>
+            <a:endParaRPr lang="en-US" altLang="zh-CN" sz="2000" dirty="0">
+              <a:solidFill>
+                <a:schemeClr val="bg1"/>
+              </a:solidFill>
+            </a:endParaRPr>
+          </a:p>
+          <a:p>
+            <a:r>
+              <a:rPr lang="en-US" altLang="zh-CN" sz="2000" dirty="0">
+                <a:solidFill>
+                  <a:schemeClr val="bg1"/>
+                </a:solidFill>
+              </a:rPr>
+              <a:t>2. </a:t>
+            </a:r>
+            <a:r>
+              <a:rPr lang="zh-CN" altLang="en-US" sz="2000" dirty="0">
+                <a:solidFill>
+                  <a:schemeClr val="bg1"/>
+                </a:solidFill>
+              </a:rPr>
+              <a:t>对所捕获的图像进行图像风格迁移后进行预览保存；</a:t>
+            </a:r>
+            <a:endParaRPr lang="en-US" altLang="zh-CN" sz="2000" dirty="0">
+              <a:solidFill>
+                <a:schemeClr val="bg1"/>
+              </a:solidFill>
+            </a:endParaRPr>
+          </a:p>
+          <a:p>
+            <a:r>
+              <a:rPr lang="en-US" altLang="zh-CN" sz="2000" dirty="0">
+                <a:solidFill>
+                  <a:schemeClr val="bg1"/>
+                </a:solidFill>
+              </a:rPr>
+              <a:t>3. </a:t>
+            </a:r>
+            <a:r>
+              <a:rPr lang="zh-CN" altLang="en-US" sz="2000" dirty="0">
+                <a:solidFill>
+                  <a:schemeClr val="bg1"/>
+                </a:solidFill>
+              </a:rPr>
+              <a:t>能够查看之前所保存的进行风格迁移后的图片。</a:t>
             </a:r>
             <a:endParaRPr lang="en-US" altLang="zh-CN" sz="2000" dirty="0">
               <a:solidFill>
@@ -8550,7 +8833,7 @@
 </p:sld>
 </file>
 
-<file path=ppt/slides/slide14.xml><?xml version="1.0" encoding="utf-8"?>
+<file path=ppt/slides/slide15.xml><?xml version="1.0" encoding="utf-8"?>
 <p:sld xmlns:a="http://schemas.openxmlformats.org/drawingml/2006/main" xmlns:r="http://schemas.openxmlformats.org/officeDocument/2006/relationships" xmlns:p="http://schemas.openxmlformats.org/presentationml/2006/main">
   <p:cSld>
     <p:spTree>
@@ -10789,7 +11072,7 @@
         <p:spPr>
           <a:xfrm>
             <a:off x="598784" y="1428681"/>
-            <a:ext cx="6096000" cy="5355312"/>
+            <a:ext cx="6096000" cy="3970318"/>
           </a:xfrm>
           <a:prstGeom prst="rect">
             <a:avLst/>
@@ -10964,42 +11247,6 @@
               </a:rPr>
               <a:t>是利用手势这一物理动作进行无声的语言交流，在交互设计领域，人们可以使用一只手或两只手对相关设备进行操作。</a:t>
             </a:r>
-            <a:r>
-              <a:rPr lang="zh-CN" altLang="en-US" dirty="0"/>
-              <a:t> </a:t>
-            </a:r>
-            <a:r>
-              <a:rPr lang="zh-CN" altLang="en-US" dirty="0">
-                <a:solidFill>
-                  <a:schemeClr val="bg1"/>
-                </a:solidFill>
-              </a:rPr>
-              <a:t>在虚拟现实领域，人们的体验常常受制于</a:t>
-            </a:r>
-            <a:r>
-              <a:rPr lang="en-US" altLang="zh-CN" dirty="0">
-                <a:solidFill>
-                  <a:schemeClr val="bg1"/>
-                </a:solidFill>
-              </a:rPr>
-              <a:t>VR</a:t>
-            </a:r>
-            <a:r>
-              <a:rPr lang="zh-CN" altLang="en-US" dirty="0">
-                <a:solidFill>
-                  <a:schemeClr val="bg1"/>
-                </a:solidFill>
-              </a:rPr>
-              <a:t>头显和不够自然的交互方式。相比之下，手势识别能够在虚拟环境中，赋予人们贴近现实生活的手势导航和控制能力，建立最直接的人机交互方式，让用户具有身临其境的沉浸感。</a:t>
-            </a:r>
-            <a:endParaRPr lang="en-US" altLang="zh-CN" dirty="0">
-              <a:solidFill>
-                <a:schemeClr val="bg1"/>
-              </a:solidFill>
-              <a:latin typeface="-apple-system"/>
-            </a:endParaRPr>
-          </a:p>
-          <a:p>
             <a:endParaRPr lang="en-US" altLang="zh-CN" dirty="0">
               <a:solidFill>
                 <a:schemeClr val="bg1"/>
@@ -11180,14 +11427,123 @@
       </p:grpSpPr>
       <p:sp>
         <p:nvSpPr>
-          <p:cNvPr id="12" name="矩形 11"/>
+          <p:cNvPr id="2" name="流程图: 资料带 1">
+            <a:extLst>
+              <a:ext uri="{FF2B5EF4-FFF2-40B4-BE49-F238E27FC236}">
+                <a16:creationId xmlns:a16="http://schemas.microsoft.com/office/drawing/2014/main" id="{BE85EAD5-AFF2-4B2B-A058-B347A7891622}"/>
+              </a:ext>
+            </a:extLst>
+          </p:cNvPr>
           <p:cNvSpPr/>
           <p:nvPr/>
         </p:nvSpPr>
         <p:spPr>
           <a:xfrm>
-            <a:off x="1559496" y="620688"/>
-            <a:ext cx="4536504" cy="461665"/>
+            <a:off x="947428" y="2024844"/>
+            <a:ext cx="10297144" cy="2808312"/>
+          </a:xfrm>
+          <a:prstGeom prst="flowChartPunchedTape">
+            <a:avLst/>
+          </a:prstGeom>
+          <a:solidFill>
+            <a:srgbClr val="217392"/>
+          </a:solidFill>
+          <a:ln>
+            <a:solidFill>
+              <a:schemeClr val="accent5">
+                <a:lumMod val="40000"/>
+                <a:lumOff val="60000"/>
+              </a:schemeClr>
+            </a:solidFill>
+          </a:ln>
+          <a:effectLst>
+            <a:glow rad="228600">
+              <a:schemeClr val="accent1">
+                <a:satMod val="175000"/>
+                <a:alpha val="40000"/>
+              </a:schemeClr>
+            </a:glow>
+          </a:effectLst>
+        </p:spPr>
+        <p:style>
+          <a:lnRef idx="2">
+            <a:schemeClr val="accent1">
+              <a:shade val="50000"/>
+            </a:schemeClr>
+          </a:lnRef>
+          <a:fillRef idx="1">
+            <a:schemeClr val="accent1"/>
+          </a:fillRef>
+          <a:effectRef idx="0">
+            <a:schemeClr val="accent1"/>
+          </a:effectRef>
+          <a:fontRef idx="minor">
+            <a:schemeClr val="lt1"/>
+          </a:fontRef>
+        </p:style>
+        <p:txBody>
+          <a:bodyPr rtlCol="0" anchor="ctr"/>
+          <a:lstStyle/>
+          <a:p>
+            <a:pPr algn="ctr"/>
+            <a:r>
+              <a:rPr lang="zh-CN" altLang="en-US" sz="7200" b="1" dirty="0">
+                <a:ln w="0">
+                  <a:solidFill>
+                    <a:sysClr val="windowText" lastClr="000000"/>
+                  </a:solidFill>
+                </a:ln>
+                <a:solidFill>
+                  <a:schemeClr val="bg1"/>
+                </a:solidFill>
+                <a:latin typeface="+mj-ea"/>
+                <a:ea typeface="+mj-ea"/>
+              </a:rPr>
+              <a:t>开发过程</a:t>
+            </a:r>
+          </a:p>
+        </p:txBody>
+      </p:sp>
+    </p:spTree>
+    <p:extLst>
+      <p:ext uri="{BB962C8B-B14F-4D97-AF65-F5344CB8AC3E}">
+        <p14:creationId xmlns:p14="http://schemas.microsoft.com/office/powerpoint/2010/main" val="2368957104"/>
+      </p:ext>
+    </p:extLst>
+  </p:cSld>
+  <p:clrMapOvr>
+    <a:masterClrMapping/>
+  </p:clrMapOvr>
+</p:sld>
+</file>
+
+<file path=ppt/slides/slide6.xml><?xml version="1.0" encoding="utf-8"?>
+<p:sld xmlns:a="http://schemas.openxmlformats.org/drawingml/2006/main" xmlns:r="http://schemas.openxmlformats.org/officeDocument/2006/relationships" xmlns:p="http://schemas.openxmlformats.org/presentationml/2006/main">
+  <p:cSld>
+    <p:spTree>
+      <p:nvGrpSpPr>
+        <p:cNvPr id="1" name=""/>
+        <p:cNvGrpSpPr/>
+        <p:nvPr/>
+      </p:nvGrpSpPr>
+      <p:grpSpPr>
+        <a:xfrm>
+          <a:off x="0" y="0"/>
+          <a:ext cx="0" cy="0"/>
+          <a:chOff x="0" y="0"/>
+          <a:chExt cx="0" cy="0"/>
+        </a:xfrm>
+      </p:grpSpPr>
+      <p:sp>
+        <p:nvSpPr>
+          <p:cNvPr id="8" name="矩形 7"/>
+          <p:cNvSpPr/>
+          <p:nvPr/>
+        </p:nvSpPr>
+        <p:spPr>
+          <a:xfrm>
+            <a:off x="1055441" y="692696"/>
+            <a:ext cx="4464495" cy="461665"/>
           </a:xfrm>
           <a:prstGeom prst="rect">
             <a:avLst/>
@@ -11217,7 +11573,590 @@
                 <a:latin typeface="微软雅黑" pitchFamily="34" charset="-122"/>
                 <a:ea typeface="微软雅黑" pitchFamily="34" charset="-122"/>
               </a:rPr>
-              <a:t>项目简介</a:t>
+              <a:t>开发过程</a:t>
+            </a:r>
+            <a:r>
+              <a:rPr lang="en-US" altLang="zh-CN" sz="2400" b="1" dirty="0">
+                <a:gradFill>
+                  <a:gsLst>
+                    <a:gs pos="100000">
+                      <a:srgbClr val="398EB6"/>
+                    </a:gs>
+                    <a:gs pos="0">
+                      <a:srgbClr val="B4DAF1"/>
+                    </a:gs>
+                  </a:gsLst>
+                  <a:path path="circle">
+                    <a:fillToRect l="50000" t="50000" r="50000" b="50000"/>
+                  </a:path>
+                </a:gradFill>
+                <a:latin typeface="微软雅黑" pitchFamily="34" charset="-122"/>
+                <a:ea typeface="微软雅黑" pitchFamily="34" charset="-122"/>
+              </a:rPr>
+              <a:t>——</a:t>
+            </a:r>
+            <a:r>
+              <a:rPr lang="zh-CN" altLang="en-US" sz="2400" b="1" dirty="0">
+                <a:gradFill>
+                  <a:gsLst>
+                    <a:gs pos="100000">
+                      <a:srgbClr val="398EB6"/>
+                    </a:gs>
+                    <a:gs pos="0">
+                      <a:srgbClr val="B4DAF1"/>
+                    </a:gs>
+                  </a:gsLst>
+                  <a:path path="circle">
+                    <a:fillToRect l="50000" t="50000" r="50000" b="50000"/>
+                  </a:path>
+                </a:gradFill>
+                <a:latin typeface="微软雅黑" pitchFamily="34" charset="-122"/>
+                <a:ea typeface="微软雅黑" pitchFamily="34" charset="-122"/>
+              </a:rPr>
+              <a:t>开发平台与分工</a:t>
+            </a:r>
+          </a:p>
+        </p:txBody>
+      </p:sp>
+      <p:sp>
+        <p:nvSpPr>
+          <p:cNvPr id="6" name="文本框 5">
+            <a:extLst>
+              <a:ext uri="{FF2B5EF4-FFF2-40B4-BE49-F238E27FC236}">
+                <a16:creationId xmlns:a16="http://schemas.microsoft.com/office/drawing/2014/main" id="{28E8C27A-72FC-4B4F-BFCC-EC9B2CC9E74A}"/>
+              </a:ext>
+            </a:extLst>
+          </p:cNvPr>
+          <p:cNvSpPr txBox="1"/>
+          <p:nvPr/>
+        </p:nvSpPr>
+        <p:spPr>
+          <a:xfrm>
+            <a:off x="1371444" y="1340768"/>
+            <a:ext cx="6092708" cy="3046988"/>
+          </a:xfrm>
+          <a:prstGeom prst="rect">
+            <a:avLst/>
+          </a:prstGeom>
+          <a:noFill/>
+        </p:spPr>
+        <p:txBody>
+          <a:bodyPr wrap="square" rtlCol="0">
+            <a:spAutoFit/>
+          </a:bodyPr>
+          <a:lstStyle/>
+          <a:p>
+            <a:endParaRPr lang="en-US" altLang="zh-CN" sz="2400" dirty="0">
+              <a:solidFill>
+                <a:schemeClr val="bg1"/>
+              </a:solidFill>
+            </a:endParaRPr>
+          </a:p>
+          <a:p>
+            <a:r>
+              <a:rPr lang="zh-CN" altLang="en-US" sz="2400" dirty="0">
+                <a:solidFill>
+                  <a:schemeClr val="bg1"/>
+                </a:solidFill>
+              </a:rPr>
+              <a:t>软件部分：</a:t>
+            </a:r>
+            <a:endParaRPr lang="en-US" altLang="zh-CN" sz="2400" dirty="0">
+              <a:solidFill>
+                <a:schemeClr val="bg1"/>
+              </a:solidFill>
+            </a:endParaRPr>
+          </a:p>
+          <a:p>
+            <a:r>
+              <a:rPr lang="zh-CN" altLang="en-US" sz="2400" dirty="0">
+                <a:solidFill>
+                  <a:schemeClr val="bg1"/>
+                </a:solidFill>
+              </a:rPr>
+              <a:t>手势控制：传统</a:t>
+            </a:r>
+            <a:r>
+              <a:rPr lang="en-US" altLang="zh-CN" sz="2400" dirty="0" err="1">
+                <a:solidFill>
+                  <a:schemeClr val="bg1"/>
+                </a:solidFill>
+              </a:rPr>
+              <a:t>opencv</a:t>
+            </a:r>
+            <a:r>
+              <a:rPr lang="en-US" altLang="zh-CN" sz="2400" dirty="0">
+                <a:solidFill>
+                  <a:schemeClr val="bg1"/>
+                </a:solidFill>
+              </a:rPr>
+              <a:t>+</a:t>
+            </a:r>
+            <a:r>
+              <a:rPr lang="zh-CN" altLang="en-US" sz="2400" dirty="0">
+                <a:solidFill>
+                  <a:schemeClr val="bg1"/>
+                </a:solidFill>
+              </a:rPr>
+              <a:t>百度</a:t>
+            </a:r>
+            <a:r>
+              <a:rPr lang="en-US" altLang="zh-CN" sz="2400" dirty="0">
+                <a:solidFill>
+                  <a:schemeClr val="bg1"/>
+                </a:solidFill>
+              </a:rPr>
+              <a:t>API</a:t>
+            </a:r>
+          </a:p>
+          <a:p>
+            <a:r>
+              <a:rPr lang="en-US" altLang="zh-CN" sz="2400" dirty="0">
+                <a:solidFill>
+                  <a:schemeClr val="bg1"/>
+                </a:solidFill>
+              </a:rPr>
+              <a:t>  </a:t>
+            </a:r>
+            <a:r>
+              <a:rPr lang="zh-CN" altLang="en-US" sz="2400" dirty="0">
+                <a:solidFill>
+                  <a:schemeClr val="bg1"/>
+                </a:solidFill>
+              </a:rPr>
+              <a:t>风格迁移：</a:t>
+            </a:r>
+            <a:r>
+              <a:rPr lang="en-US" altLang="zh-CN" sz="2400" dirty="0" err="1">
+                <a:solidFill>
+                  <a:schemeClr val="bg1"/>
+                </a:solidFill>
+              </a:rPr>
+              <a:t>keras</a:t>
+            </a:r>
+            <a:endParaRPr lang="en-US" altLang="zh-CN" sz="2400" dirty="0">
+              <a:solidFill>
+                <a:schemeClr val="bg1"/>
+              </a:solidFill>
+            </a:endParaRPr>
+          </a:p>
+          <a:p>
+            <a:endParaRPr lang="en-US" altLang="zh-CN" sz="2400" dirty="0">
+              <a:solidFill>
+                <a:schemeClr val="bg1"/>
+              </a:solidFill>
+            </a:endParaRPr>
+          </a:p>
+          <a:p>
+            <a:r>
+              <a:rPr lang="zh-CN" altLang="en-US" sz="2400" dirty="0">
+                <a:solidFill>
+                  <a:schemeClr val="bg1"/>
+                </a:solidFill>
+              </a:rPr>
+              <a:t>硬件部分：</a:t>
+            </a:r>
+            <a:endParaRPr lang="en-US" altLang="zh-CN" sz="2400" dirty="0">
+              <a:solidFill>
+                <a:schemeClr val="bg1"/>
+              </a:solidFill>
+            </a:endParaRPr>
+          </a:p>
+          <a:p>
+            <a:r>
+              <a:rPr lang="zh-CN" altLang="en-US" sz="2400" dirty="0">
+                <a:solidFill>
+                  <a:schemeClr val="bg1"/>
+                </a:solidFill>
+              </a:rPr>
+              <a:t>   附带摄像头功能的</a:t>
+            </a:r>
+            <a:r>
+              <a:rPr lang="en-US" altLang="zh-CN" sz="2400" dirty="0">
+                <a:solidFill>
+                  <a:schemeClr val="bg1"/>
+                </a:solidFill>
+              </a:rPr>
+              <a:t>PC</a:t>
+            </a:r>
+          </a:p>
+          <a:p>
+            <a:r>
+              <a:rPr lang="zh-CN" altLang="en-US" sz="2400" dirty="0">
+                <a:solidFill>
+                  <a:schemeClr val="bg1"/>
+                </a:solidFill>
+              </a:rPr>
+              <a:t>   单独摄像头</a:t>
+            </a:r>
+            <a:endParaRPr lang="en-US" altLang="zh-CN" sz="2400" dirty="0">
+              <a:solidFill>
+                <a:schemeClr val="bg1"/>
+              </a:solidFill>
+            </a:endParaRPr>
+          </a:p>
+        </p:txBody>
+      </p:sp>
+      <p:sp>
+        <p:nvSpPr>
+          <p:cNvPr id="4" name="文本框 3">
+            <a:extLst>
+              <a:ext uri="{FF2B5EF4-FFF2-40B4-BE49-F238E27FC236}">
+                <a16:creationId xmlns:a16="http://schemas.microsoft.com/office/drawing/2014/main" id="{0D88DE6E-E6A0-464E-9DC4-E4536D7E7A0A}"/>
+              </a:ext>
+            </a:extLst>
+          </p:cNvPr>
+          <p:cNvSpPr txBox="1"/>
+          <p:nvPr/>
+        </p:nvSpPr>
+        <p:spPr>
+          <a:xfrm>
+            <a:off x="1371444" y="4653136"/>
+            <a:ext cx="9117045" cy="1569660"/>
+          </a:xfrm>
+          <a:prstGeom prst="rect">
+            <a:avLst/>
+          </a:prstGeom>
+          <a:noFill/>
+        </p:spPr>
+        <p:txBody>
+          <a:bodyPr wrap="square" rtlCol="0">
+            <a:spAutoFit/>
+          </a:bodyPr>
+          <a:lstStyle/>
+          <a:p>
+            <a:r>
+              <a:rPr lang="zh-CN" altLang="en-US" sz="2400" dirty="0">
+                <a:solidFill>
+                  <a:schemeClr val="bg1"/>
+                </a:solidFill>
+              </a:rPr>
+              <a:t>分工：</a:t>
+            </a:r>
+            <a:endParaRPr lang="en-US" altLang="zh-CN" sz="2400" dirty="0">
+              <a:solidFill>
+                <a:schemeClr val="bg1"/>
+              </a:solidFill>
+            </a:endParaRPr>
+          </a:p>
+          <a:p>
+            <a:r>
+              <a:rPr lang="zh-CN" altLang="en-US" sz="2400" dirty="0">
+                <a:solidFill>
+                  <a:schemeClr val="bg1"/>
+                </a:solidFill>
+              </a:rPr>
+              <a:t>刘星雨：图片风格提取迁移代码编写，调试程序</a:t>
+            </a:r>
+          </a:p>
+          <a:p>
+            <a:r>
+              <a:rPr lang="zh-CN" altLang="en-US" sz="2400" dirty="0">
+                <a:solidFill>
+                  <a:schemeClr val="bg1"/>
+                </a:solidFill>
+              </a:rPr>
+              <a:t>解康辉、石芸帅：手势识别的代码编写，调试程序，</a:t>
+            </a:r>
+            <a:r>
+              <a:rPr lang="en-US" altLang="zh-CN" sz="2400" dirty="0" err="1">
+                <a:solidFill>
+                  <a:schemeClr val="bg1"/>
+                </a:solidFill>
+              </a:rPr>
+              <a:t>opencv</a:t>
+            </a:r>
+            <a:r>
+              <a:rPr lang="zh-CN" altLang="en-US" sz="2400" dirty="0">
+                <a:solidFill>
+                  <a:schemeClr val="bg1"/>
+                </a:solidFill>
+              </a:rPr>
+              <a:t>平台的展示界面设计</a:t>
+            </a:r>
+            <a:endParaRPr lang="en-US" altLang="zh-CN" sz="2400" dirty="0">
+              <a:solidFill>
+                <a:schemeClr val="bg1"/>
+              </a:solidFill>
+            </a:endParaRPr>
+          </a:p>
+        </p:txBody>
+      </p:sp>
+    </p:spTree>
+    <p:extLst>
+      <p:ext uri="{BB962C8B-B14F-4D97-AF65-F5344CB8AC3E}">
+        <p14:creationId xmlns:p14="http://schemas.microsoft.com/office/powerpoint/2010/main" val="478856575"/>
+      </p:ext>
+    </p:extLst>
+  </p:cSld>
+  <p:clrMapOvr>
+    <a:masterClrMapping/>
+  </p:clrMapOvr>
+  <mc:AlternateContent xmlns:mc="http://schemas.openxmlformats.org/markup-compatibility/2006" xmlns:p14="http://schemas.microsoft.com/office/powerpoint/2010/main">
+    <mc:Choice Requires="p14">
+      <p:transition p14:dur="0" advTm="2580"/>
+    </mc:Choice>
+    <mc:Fallback xmlns="">
+      <p:transition advTm="2580"/>
+    </mc:Fallback>
+  </mc:AlternateContent>
+</p:sld>
+</file>
+
+<file path=ppt/slides/slide7.xml><?xml version="1.0" encoding="utf-8"?>
+<p:sld xmlns:a="http://schemas.openxmlformats.org/drawingml/2006/main" xmlns:r="http://schemas.openxmlformats.org/officeDocument/2006/relationships" xmlns:p="http://schemas.openxmlformats.org/presentationml/2006/main">
+  <p:cSld>
+    <p:spTree>
+      <p:nvGrpSpPr>
+        <p:cNvPr id="1" name=""/>
+        <p:cNvGrpSpPr/>
+        <p:nvPr/>
+      </p:nvGrpSpPr>
+      <p:grpSpPr>
+        <a:xfrm>
+          <a:off x="0" y="0"/>
+          <a:ext cx="0" cy="0"/>
+          <a:chOff x="0" y="0"/>
+          <a:chExt cx="0" cy="0"/>
+        </a:xfrm>
+      </p:grpSpPr>
+      <p:sp>
+        <p:nvSpPr>
+          <p:cNvPr id="8" name="矩形 7"/>
+          <p:cNvSpPr/>
+          <p:nvPr/>
+        </p:nvSpPr>
+        <p:spPr>
+          <a:xfrm>
+            <a:off x="1055441" y="692696"/>
+            <a:ext cx="4464495" cy="461665"/>
+          </a:xfrm>
+          <a:prstGeom prst="rect">
+            <a:avLst/>
+          </a:prstGeom>
+        </p:spPr>
+        <p:txBody>
+          <a:bodyPr wrap="square">
+            <a:spAutoFit/>
+          </a:bodyPr>
+          <a:lstStyle/>
+          <a:p>
+            <a:r>
+              <a:rPr lang="zh-CN" altLang="en-US" sz="2400" b="1" dirty="0">
+                <a:gradFill>
+                  <a:gsLst>
+                    <a:gs pos="100000">
+                      <a:srgbClr val="398EB6"/>
+                    </a:gs>
+                    <a:gs pos="0">
+                      <a:srgbClr val="B4DAF1"/>
+                    </a:gs>
+                  </a:gsLst>
+                  <a:path path="circle">
+                    <a:fillToRect l="50000" t="50000" r="50000" b="50000"/>
+                  </a:path>
+                </a:gradFill>
+                <a:latin typeface="微软雅黑" pitchFamily="34" charset="-122"/>
+                <a:ea typeface="微软雅黑" pitchFamily="34" charset="-122"/>
+              </a:rPr>
+              <a:t>开发过程</a:t>
+            </a:r>
+            <a:r>
+              <a:rPr lang="en-US" altLang="zh-CN" sz="2400" b="1" dirty="0">
+                <a:gradFill>
+                  <a:gsLst>
+                    <a:gs pos="100000">
+                      <a:srgbClr val="398EB6"/>
+                    </a:gs>
+                    <a:gs pos="0">
+                      <a:srgbClr val="B4DAF1"/>
+                    </a:gs>
+                  </a:gsLst>
+                  <a:path path="circle">
+                    <a:fillToRect l="50000" t="50000" r="50000" b="50000"/>
+                  </a:path>
+                </a:gradFill>
+                <a:latin typeface="微软雅黑" pitchFamily="34" charset="-122"/>
+                <a:ea typeface="微软雅黑" pitchFamily="34" charset="-122"/>
+              </a:rPr>
+              <a:t>——</a:t>
+            </a:r>
+            <a:r>
+              <a:rPr lang="zh-CN" altLang="en-US" sz="2400" b="1" dirty="0">
+                <a:gradFill>
+                  <a:gsLst>
+                    <a:gs pos="100000">
+                      <a:srgbClr val="398EB6"/>
+                    </a:gs>
+                    <a:gs pos="0">
+                      <a:srgbClr val="B4DAF1"/>
+                    </a:gs>
+                  </a:gsLst>
+                  <a:path path="circle">
+                    <a:fillToRect l="50000" t="50000" r="50000" b="50000"/>
+                  </a:path>
+                </a:gradFill>
+                <a:latin typeface="微软雅黑" pitchFamily="34" charset="-122"/>
+                <a:ea typeface="微软雅黑" pitchFamily="34" charset="-122"/>
+              </a:rPr>
+              <a:t>软件设计流程图</a:t>
+            </a:r>
+          </a:p>
+        </p:txBody>
+      </p:sp>
+      <p:sp>
+        <p:nvSpPr>
+          <p:cNvPr id="6" name="文本框 5">
+            <a:extLst>
+              <a:ext uri="{FF2B5EF4-FFF2-40B4-BE49-F238E27FC236}">
+                <a16:creationId xmlns:a16="http://schemas.microsoft.com/office/drawing/2014/main" id="{28E8C27A-72FC-4B4F-BFCC-EC9B2CC9E74A}"/>
+              </a:ext>
+            </a:extLst>
+          </p:cNvPr>
+          <p:cNvSpPr txBox="1"/>
+          <p:nvPr/>
+        </p:nvSpPr>
+        <p:spPr>
+          <a:xfrm>
+            <a:off x="695400" y="1340768"/>
+            <a:ext cx="6768752" cy="461665"/>
+          </a:xfrm>
+          <a:prstGeom prst="rect">
+            <a:avLst/>
+          </a:prstGeom>
+          <a:noFill/>
+        </p:spPr>
+        <p:txBody>
+          <a:bodyPr wrap="square" rtlCol="0">
+            <a:spAutoFit/>
+          </a:bodyPr>
+          <a:lstStyle/>
+          <a:p>
+            <a:endParaRPr lang="zh-CN" altLang="en-US" sz="2400" dirty="0">
+              <a:solidFill>
+                <a:schemeClr val="bg1">
+                  <a:lumMod val="95000"/>
+                </a:schemeClr>
+              </a:solidFill>
+            </a:endParaRPr>
+          </a:p>
+        </p:txBody>
+      </p:sp>
+      <p:pic>
+        <p:nvPicPr>
+          <p:cNvPr id="4" name="图片 3">
+            <a:extLst>
+              <a:ext uri="{FF2B5EF4-FFF2-40B4-BE49-F238E27FC236}">
+                <a16:creationId xmlns:a16="http://schemas.microsoft.com/office/drawing/2014/main" id="{1210FAF7-ABE8-436F-9125-40B424B7CA87}"/>
+              </a:ext>
+            </a:extLst>
+          </p:cNvPr>
+          <p:cNvPicPr>
+            <a:picLocks noChangeAspect="1"/>
+          </p:cNvPicPr>
+          <p:nvPr/>
+        </p:nvPicPr>
+        <p:blipFill>
+          <a:blip r:embed="rId3"/>
+          <a:stretch>
+            <a:fillRect/>
+          </a:stretch>
+        </p:blipFill>
+        <p:spPr>
+          <a:xfrm>
+            <a:off x="3943163" y="1266465"/>
+            <a:ext cx="4241069" cy="5306966"/>
+          </a:xfrm>
+          <a:prstGeom prst="rect">
+            <a:avLst/>
+          </a:prstGeom>
+          <a:effectLst>
+            <a:outerShdw blurRad="50800" dist="50800" dir="5400000" algn="ctr" rotWithShape="0">
+              <a:srgbClr val="217392">
+                <a:alpha val="50000"/>
+              </a:srgbClr>
+            </a:outerShdw>
+          </a:effectLst>
+        </p:spPr>
+      </p:pic>
+    </p:spTree>
+    <p:extLst>
+      <p:ext uri="{BB962C8B-B14F-4D97-AF65-F5344CB8AC3E}">
+        <p14:creationId xmlns:p14="http://schemas.microsoft.com/office/powerpoint/2010/main" val="2200074057"/>
+      </p:ext>
+    </p:extLst>
+  </p:cSld>
+  <p:clrMapOvr>
+    <a:masterClrMapping/>
+  </p:clrMapOvr>
+  <mc:AlternateContent xmlns:mc="http://schemas.openxmlformats.org/markup-compatibility/2006" xmlns:p14="http://schemas.microsoft.com/office/powerpoint/2010/main">
+    <mc:Choice Requires="p14">
+      <p:transition p14:dur="0" advTm="2580"/>
+    </mc:Choice>
+    <mc:Fallback xmlns="">
+      <p:transition advTm="2580"/>
+    </mc:Fallback>
+  </mc:AlternateContent>
+</p:sld>
+</file>
+
+<file path=ppt/slides/slide8.xml><?xml version="1.0" encoding="utf-8"?>
+<p:sld xmlns:a="http://schemas.openxmlformats.org/drawingml/2006/main" xmlns:r="http://schemas.openxmlformats.org/officeDocument/2006/relationships" xmlns:p="http://schemas.openxmlformats.org/presentationml/2006/main">
+  <p:cSld>
+    <p:spTree>
+      <p:nvGrpSpPr>
+        <p:cNvPr id="1" name=""/>
+        <p:cNvGrpSpPr/>
+        <p:nvPr/>
+      </p:nvGrpSpPr>
+      <p:grpSpPr>
+        <a:xfrm>
+          <a:off x="0" y="0"/>
+          <a:ext cx="0" cy="0"/>
+          <a:chOff x="0" y="0"/>
+          <a:chExt cx="0" cy="0"/>
+        </a:xfrm>
+      </p:grpSpPr>
+      <p:sp>
+        <p:nvSpPr>
+          <p:cNvPr id="12" name="矩形 11"/>
+          <p:cNvSpPr/>
+          <p:nvPr/>
+        </p:nvSpPr>
+        <p:spPr>
+          <a:xfrm>
+            <a:off x="1559496" y="620688"/>
+            <a:ext cx="4536504" cy="461665"/>
+          </a:xfrm>
+          <a:prstGeom prst="rect">
+            <a:avLst/>
+          </a:prstGeom>
+        </p:spPr>
+        <p:txBody>
+          <a:bodyPr wrap="square">
+            <a:spAutoFit/>
+          </a:bodyPr>
+          <a:lstStyle/>
+          <a:p>
+            <a:r>
+              <a:rPr lang="zh-CN" altLang="en-US" sz="2400" b="1" dirty="0">
+                <a:gradFill>
+                  <a:gsLst>
+                    <a:gs pos="100000">
+                      <a:srgbClr val="398EB6"/>
+                    </a:gs>
+                    <a:gs pos="0">
+                      <a:srgbClr val="B4DAF1"/>
+                    </a:gs>
+                  </a:gsLst>
+                  <a:path path="circle">
+                    <a:fillToRect l="50000" t="50000" r="50000" b="50000"/>
+                  </a:path>
+                </a:gradFill>
+                <a:latin typeface="微软雅黑" pitchFamily="34" charset="-122"/>
+                <a:ea typeface="微软雅黑" pitchFamily="34" charset="-122"/>
+              </a:rPr>
+              <a:t>开发过程</a:t>
             </a:r>
             <a:r>
               <a:rPr lang="en-US" altLang="zh-CN" sz="2400" b="1" dirty="0">
@@ -12073,7 +13012,7 @@
 </p:sld>
 </file>
 
-<file path=ppt/slides/slide6.xml><?xml version="1.0" encoding="utf-8"?>
+<file path=ppt/slides/slide9.xml><?xml version="1.0" encoding="utf-8"?>
 <p:sld xmlns:a="http://schemas.openxmlformats.org/drawingml/2006/main" xmlns:r="http://schemas.openxmlformats.org/officeDocument/2006/relationships" xmlns:p="http://schemas.openxmlformats.org/presentationml/2006/main">
   <p:cSld>
     <p:spTree>
@@ -12092,123 +13031,14 @@
       </p:grpSpPr>
       <p:sp>
         <p:nvSpPr>
-          <p:cNvPr id="2" name="流程图: 资料带 1">
-            <a:extLst>
-              <a:ext uri="{FF2B5EF4-FFF2-40B4-BE49-F238E27FC236}">
-                <a16:creationId xmlns:a16="http://schemas.microsoft.com/office/drawing/2014/main" id="{BE85EAD5-AFF2-4B2B-A058-B347A7891622}"/>
-              </a:ext>
-            </a:extLst>
-          </p:cNvPr>
-          <p:cNvSpPr/>
-          <p:nvPr/>
-        </p:nvSpPr>
-        <p:spPr>
-          <a:xfrm>
-            <a:off x="947428" y="2024844"/>
-            <a:ext cx="10297144" cy="2808312"/>
-          </a:xfrm>
-          <a:prstGeom prst="flowChartPunchedTape">
-            <a:avLst/>
-          </a:prstGeom>
-          <a:solidFill>
-            <a:srgbClr val="217392"/>
-          </a:solidFill>
-          <a:ln>
-            <a:solidFill>
-              <a:schemeClr val="accent5">
-                <a:lumMod val="40000"/>
-                <a:lumOff val="60000"/>
-              </a:schemeClr>
-            </a:solidFill>
-          </a:ln>
-          <a:effectLst>
-            <a:glow rad="228600">
-              <a:schemeClr val="accent1">
-                <a:satMod val="175000"/>
-                <a:alpha val="40000"/>
-              </a:schemeClr>
-            </a:glow>
-          </a:effectLst>
-        </p:spPr>
-        <p:style>
-          <a:lnRef idx="2">
-            <a:schemeClr val="accent1">
-              <a:shade val="50000"/>
-            </a:schemeClr>
-          </a:lnRef>
-          <a:fillRef idx="1">
-            <a:schemeClr val="accent1"/>
-          </a:fillRef>
-          <a:effectRef idx="0">
-            <a:schemeClr val="accent1"/>
-          </a:effectRef>
-          <a:fontRef idx="minor">
-            <a:schemeClr val="lt1"/>
-          </a:fontRef>
-        </p:style>
-        <p:txBody>
-          <a:bodyPr rtlCol="0" anchor="ctr"/>
-          <a:lstStyle/>
-          <a:p>
-            <a:pPr algn="ctr"/>
-            <a:r>
-              <a:rPr lang="zh-CN" altLang="en-US" sz="7200" b="1" dirty="0">
-                <a:ln w="0">
-                  <a:solidFill>
-                    <a:sysClr val="windowText" lastClr="000000"/>
-                  </a:solidFill>
-                </a:ln>
-                <a:solidFill>
-                  <a:schemeClr val="bg1"/>
-                </a:solidFill>
-                <a:latin typeface="+mj-ea"/>
-                <a:ea typeface="+mj-ea"/>
-              </a:rPr>
-              <a:t>开发过程</a:t>
-            </a:r>
-          </a:p>
-        </p:txBody>
-      </p:sp>
-    </p:spTree>
-    <p:extLst>
-      <p:ext uri="{BB962C8B-B14F-4D97-AF65-F5344CB8AC3E}">
-        <p14:creationId xmlns:p14="http://schemas.microsoft.com/office/powerpoint/2010/main" val="2368957104"/>
-      </p:ext>
-    </p:extLst>
-  </p:cSld>
-  <p:clrMapOvr>
-    <a:masterClrMapping/>
-  </p:clrMapOvr>
-</p:sld>
-</file>
-
-<file path=ppt/slides/slide7.xml><?xml version="1.0" encoding="utf-8"?>
-<p:sld xmlns:a="http://schemas.openxmlformats.org/drawingml/2006/main" xmlns:r="http://schemas.openxmlformats.org/officeDocument/2006/relationships" xmlns:p="http://schemas.openxmlformats.org/presentationml/2006/main">
-  <p:cSld>
-    <p:spTree>
-      <p:nvGrpSpPr>
-        <p:cNvPr id="1" name=""/>
-        <p:cNvGrpSpPr/>
-        <p:nvPr/>
-      </p:nvGrpSpPr>
-      <p:grpSpPr>
-        <a:xfrm>
-          <a:off x="0" y="0"/>
-          <a:ext cx="0" cy="0"/>
-          <a:chOff x="0" y="0"/>
-          <a:chExt cx="0" cy="0"/>
-        </a:xfrm>
-      </p:grpSpPr>
-      <p:sp>
-        <p:nvSpPr>
           <p:cNvPr id="8" name="矩形 7"/>
           <p:cNvSpPr/>
           <p:nvPr/>
         </p:nvSpPr>
         <p:spPr>
           <a:xfrm>
-            <a:off x="1055441" y="692696"/>
-            <a:ext cx="4464495" cy="461665"/>
+            <a:off x="1055440" y="476672"/>
+            <a:ext cx="4536504" cy="461665"/>
           </a:xfrm>
           <a:prstGeom prst="rect">
             <a:avLst/>
@@ -12278,618 +13108,6 @@
                 <a:latin typeface="微软雅黑" pitchFamily="34" charset="-122"/>
                 <a:ea typeface="微软雅黑" pitchFamily="34" charset="-122"/>
               </a:rPr>
-              <a:t>开发平台与分工</a:t>
-            </a:r>
-          </a:p>
-        </p:txBody>
-      </p:sp>
-      <p:sp>
-        <p:nvSpPr>
-          <p:cNvPr id="6" name="文本框 5">
-            <a:extLst>
-              <a:ext uri="{FF2B5EF4-FFF2-40B4-BE49-F238E27FC236}">
-                <a16:creationId xmlns:a16="http://schemas.microsoft.com/office/drawing/2014/main" id="{28E8C27A-72FC-4B4F-BFCC-EC9B2CC9E74A}"/>
-              </a:ext>
-            </a:extLst>
-          </p:cNvPr>
-          <p:cNvSpPr txBox="1"/>
-          <p:nvPr/>
-        </p:nvSpPr>
-        <p:spPr>
-          <a:xfrm>
-            <a:off x="1371444" y="1340768"/>
-            <a:ext cx="6092708" cy="2677656"/>
-          </a:xfrm>
-          <a:prstGeom prst="rect">
-            <a:avLst/>
-          </a:prstGeom>
-          <a:noFill/>
-        </p:spPr>
-        <p:txBody>
-          <a:bodyPr wrap="square" rtlCol="0">
-            <a:spAutoFit/>
-          </a:bodyPr>
-          <a:lstStyle/>
-          <a:p>
-            <a:r>
-              <a:rPr lang="zh-CN" altLang="en-US" sz="2400" dirty="0">
-                <a:solidFill>
-                  <a:schemeClr val="bg1"/>
-                </a:solidFill>
-              </a:rPr>
-              <a:t>软件部分：</a:t>
-            </a:r>
-            <a:endParaRPr lang="en-US" altLang="zh-CN" sz="2400" dirty="0">
-              <a:solidFill>
-                <a:schemeClr val="bg1"/>
-              </a:solidFill>
-            </a:endParaRPr>
-          </a:p>
-          <a:p>
-            <a:r>
-              <a:rPr lang="en-US" altLang="zh-CN" sz="2400" dirty="0">
-                <a:solidFill>
-                  <a:schemeClr val="bg1"/>
-                </a:solidFill>
-              </a:rPr>
-              <a:t>   Python</a:t>
-            </a:r>
-          </a:p>
-          <a:p>
-            <a:r>
-              <a:rPr lang="en-US" altLang="zh-CN" sz="2400" dirty="0">
-                <a:solidFill>
-                  <a:schemeClr val="bg1"/>
-                </a:solidFill>
-              </a:rPr>
-              <a:t>   </a:t>
-            </a:r>
-            <a:r>
-              <a:rPr lang="en-US" altLang="zh-CN" sz="2400" dirty="0" err="1">
-                <a:solidFill>
-                  <a:schemeClr val="bg1"/>
-                </a:solidFill>
-              </a:rPr>
-              <a:t>Opencv</a:t>
-            </a:r>
-            <a:endParaRPr lang="en-US" altLang="zh-CN" sz="2400" dirty="0">
-              <a:solidFill>
-                <a:schemeClr val="bg1"/>
-              </a:solidFill>
-            </a:endParaRPr>
-          </a:p>
-          <a:p>
-            <a:r>
-              <a:rPr lang="en-US" altLang="zh-CN" sz="2400" dirty="0">
-                <a:solidFill>
-                  <a:schemeClr val="bg1"/>
-                </a:solidFill>
-              </a:rPr>
-              <a:t>   </a:t>
-            </a:r>
-            <a:r>
-              <a:rPr lang="en-US" altLang="zh-CN" sz="2400" dirty="0" err="1">
-                <a:solidFill>
-                  <a:schemeClr val="bg1"/>
-                </a:solidFill>
-              </a:rPr>
-              <a:t>keras</a:t>
-            </a:r>
-            <a:endParaRPr lang="en-US" altLang="zh-CN" sz="2400" dirty="0">
-              <a:solidFill>
-                <a:schemeClr val="bg1"/>
-              </a:solidFill>
-            </a:endParaRPr>
-          </a:p>
-          <a:p>
-            <a:r>
-              <a:rPr lang="zh-CN" altLang="en-US" sz="2400" dirty="0">
-                <a:solidFill>
-                  <a:schemeClr val="bg1"/>
-                </a:solidFill>
-              </a:rPr>
-              <a:t>硬件部分：</a:t>
-            </a:r>
-            <a:endParaRPr lang="en-US" altLang="zh-CN" sz="2400" dirty="0">
-              <a:solidFill>
-                <a:schemeClr val="bg1"/>
-              </a:solidFill>
-            </a:endParaRPr>
-          </a:p>
-          <a:p>
-            <a:r>
-              <a:rPr lang="zh-CN" altLang="en-US" sz="2400" dirty="0">
-                <a:solidFill>
-                  <a:schemeClr val="bg1"/>
-                </a:solidFill>
-              </a:rPr>
-              <a:t>   附带摄像头功能的</a:t>
-            </a:r>
-            <a:r>
-              <a:rPr lang="en-US" altLang="zh-CN" sz="2400" dirty="0">
-                <a:solidFill>
-                  <a:schemeClr val="bg1"/>
-                </a:solidFill>
-              </a:rPr>
-              <a:t>PC</a:t>
-            </a:r>
-          </a:p>
-          <a:p>
-            <a:r>
-              <a:rPr lang="zh-CN" altLang="en-US" sz="2400" dirty="0">
-                <a:solidFill>
-                  <a:schemeClr val="bg1"/>
-                </a:solidFill>
-              </a:rPr>
-              <a:t>   单独摄像头</a:t>
-            </a:r>
-            <a:endParaRPr lang="en-US" altLang="zh-CN" sz="2400" dirty="0">
-              <a:solidFill>
-                <a:schemeClr val="bg1"/>
-              </a:solidFill>
-            </a:endParaRPr>
-          </a:p>
-        </p:txBody>
-      </p:sp>
-      <p:pic>
-        <p:nvPicPr>
-          <p:cNvPr id="2" name="图片 1">
-            <a:extLst>
-              <a:ext uri="{FF2B5EF4-FFF2-40B4-BE49-F238E27FC236}">
-                <a16:creationId xmlns:a16="http://schemas.microsoft.com/office/drawing/2014/main" id="{7903E7B0-2325-4C0F-B3D3-A2293BD40F90}"/>
-              </a:ext>
-            </a:extLst>
-          </p:cNvPr>
-          <p:cNvPicPr>
-            <a:picLocks noChangeAspect="1"/>
-          </p:cNvPicPr>
-          <p:nvPr/>
-        </p:nvPicPr>
-        <p:blipFill>
-          <a:blip r:embed="rId3"/>
-          <a:stretch>
-            <a:fillRect/>
-          </a:stretch>
-        </p:blipFill>
-        <p:spPr>
-          <a:xfrm>
-            <a:off x="8184014" y="1345686"/>
-            <a:ext cx="2132488" cy="1242210"/>
-          </a:xfrm>
-          <a:prstGeom prst="rect">
-            <a:avLst/>
-          </a:prstGeom>
-        </p:spPr>
-      </p:pic>
-      <p:pic>
-        <p:nvPicPr>
-          <p:cNvPr id="3" name="图片 2">
-            <a:extLst>
-              <a:ext uri="{FF2B5EF4-FFF2-40B4-BE49-F238E27FC236}">
-                <a16:creationId xmlns:a16="http://schemas.microsoft.com/office/drawing/2014/main" id="{B912FAEB-2EA5-4AC9-9F44-648A53041543}"/>
-              </a:ext>
-            </a:extLst>
-          </p:cNvPr>
-          <p:cNvPicPr>
-            <a:picLocks noChangeAspect="1"/>
-          </p:cNvPicPr>
-          <p:nvPr/>
-        </p:nvPicPr>
-        <p:blipFill>
-          <a:blip r:embed="rId4"/>
-          <a:stretch>
-            <a:fillRect/>
-          </a:stretch>
-        </p:blipFill>
-        <p:spPr>
-          <a:xfrm>
-            <a:off x="8184014" y="2584611"/>
-            <a:ext cx="2132487" cy="1242210"/>
-          </a:xfrm>
-          <a:prstGeom prst="rect">
-            <a:avLst/>
-          </a:prstGeom>
-        </p:spPr>
-      </p:pic>
-      <p:sp>
-        <p:nvSpPr>
-          <p:cNvPr id="4" name="文本框 3">
-            <a:extLst>
-              <a:ext uri="{FF2B5EF4-FFF2-40B4-BE49-F238E27FC236}">
-                <a16:creationId xmlns:a16="http://schemas.microsoft.com/office/drawing/2014/main" id="{0D88DE6E-E6A0-464E-9DC4-E4536D7E7A0A}"/>
-              </a:ext>
-            </a:extLst>
-          </p:cNvPr>
-          <p:cNvSpPr txBox="1"/>
-          <p:nvPr/>
-        </p:nvSpPr>
-        <p:spPr>
-          <a:xfrm>
-            <a:off x="1371444" y="4653136"/>
-            <a:ext cx="9117045" cy="1569660"/>
-          </a:xfrm>
-          <a:prstGeom prst="rect">
-            <a:avLst/>
-          </a:prstGeom>
-          <a:noFill/>
-        </p:spPr>
-        <p:txBody>
-          <a:bodyPr wrap="square" rtlCol="0">
-            <a:spAutoFit/>
-          </a:bodyPr>
-          <a:lstStyle/>
-          <a:p>
-            <a:r>
-              <a:rPr lang="zh-CN" altLang="en-US" sz="2400" dirty="0">
-                <a:solidFill>
-                  <a:schemeClr val="bg1"/>
-                </a:solidFill>
-              </a:rPr>
-              <a:t>分工：</a:t>
-            </a:r>
-            <a:endParaRPr lang="en-US" altLang="zh-CN" sz="2400" dirty="0">
-              <a:solidFill>
-                <a:schemeClr val="bg1"/>
-              </a:solidFill>
-            </a:endParaRPr>
-          </a:p>
-          <a:p>
-            <a:r>
-              <a:rPr lang="zh-CN" altLang="en-US" sz="2400" dirty="0">
-                <a:solidFill>
-                  <a:schemeClr val="bg1"/>
-                </a:solidFill>
-              </a:rPr>
-              <a:t>刘星雨：图片风格提取迁移代码编写，调试程序</a:t>
-            </a:r>
-          </a:p>
-          <a:p>
-            <a:r>
-              <a:rPr lang="zh-CN" altLang="en-US" sz="2400" dirty="0">
-                <a:solidFill>
-                  <a:schemeClr val="bg1"/>
-                </a:solidFill>
-              </a:rPr>
-              <a:t>解康辉、石芸帅：手势识别的代码编写，调试程序，</a:t>
-            </a:r>
-            <a:r>
-              <a:rPr lang="en-US" altLang="zh-CN" sz="2400" dirty="0" err="1">
-                <a:solidFill>
-                  <a:schemeClr val="bg1"/>
-                </a:solidFill>
-              </a:rPr>
-              <a:t>opencv</a:t>
-            </a:r>
-            <a:r>
-              <a:rPr lang="zh-CN" altLang="en-US" sz="2400" dirty="0">
-                <a:solidFill>
-                  <a:schemeClr val="bg1"/>
-                </a:solidFill>
-              </a:rPr>
-              <a:t>平台的展示界面设计</a:t>
-            </a:r>
-            <a:endParaRPr lang="en-US" altLang="zh-CN" sz="2400" dirty="0">
-              <a:solidFill>
-                <a:schemeClr val="bg1"/>
-              </a:solidFill>
-            </a:endParaRPr>
-          </a:p>
-        </p:txBody>
-      </p:sp>
-    </p:spTree>
-    <p:extLst>
-      <p:ext uri="{BB962C8B-B14F-4D97-AF65-F5344CB8AC3E}">
-        <p14:creationId xmlns:p14="http://schemas.microsoft.com/office/powerpoint/2010/main" val="478856575"/>
-      </p:ext>
-    </p:extLst>
-  </p:cSld>
-  <p:clrMapOvr>
-    <a:masterClrMapping/>
-  </p:clrMapOvr>
-  <mc:AlternateContent xmlns:mc="http://schemas.openxmlformats.org/markup-compatibility/2006" xmlns:p14="http://schemas.microsoft.com/office/powerpoint/2010/main">
-    <mc:Choice Requires="p14">
-      <p:transition p14:dur="0" advTm="2580"/>
-    </mc:Choice>
-    <mc:Fallback xmlns="">
-      <p:transition advTm="2580"/>
-    </mc:Fallback>
-  </mc:AlternateContent>
-</p:sld>
-</file>
-
-<file path=ppt/slides/slide8.xml><?xml version="1.0" encoding="utf-8"?>
-<p:sld xmlns:a="http://schemas.openxmlformats.org/drawingml/2006/main" xmlns:r="http://schemas.openxmlformats.org/officeDocument/2006/relationships" xmlns:p="http://schemas.openxmlformats.org/presentationml/2006/main">
-  <p:cSld>
-    <p:spTree>
-      <p:nvGrpSpPr>
-        <p:cNvPr id="1" name=""/>
-        <p:cNvGrpSpPr/>
-        <p:nvPr/>
-      </p:nvGrpSpPr>
-      <p:grpSpPr>
-        <a:xfrm>
-          <a:off x="0" y="0"/>
-          <a:ext cx="0" cy="0"/>
-          <a:chOff x="0" y="0"/>
-          <a:chExt cx="0" cy="0"/>
-        </a:xfrm>
-      </p:grpSpPr>
-      <p:sp>
-        <p:nvSpPr>
-          <p:cNvPr id="8" name="矩形 7"/>
-          <p:cNvSpPr/>
-          <p:nvPr/>
-        </p:nvSpPr>
-        <p:spPr>
-          <a:xfrm>
-            <a:off x="1055441" y="692696"/>
-            <a:ext cx="4464495" cy="461665"/>
-          </a:xfrm>
-          <a:prstGeom prst="rect">
-            <a:avLst/>
-          </a:prstGeom>
-        </p:spPr>
-        <p:txBody>
-          <a:bodyPr wrap="square">
-            <a:spAutoFit/>
-          </a:bodyPr>
-          <a:lstStyle/>
-          <a:p>
-            <a:r>
-              <a:rPr lang="zh-CN" altLang="en-US" sz="2400" b="1" dirty="0">
-                <a:gradFill>
-                  <a:gsLst>
-                    <a:gs pos="100000">
-                      <a:srgbClr val="398EB6"/>
-                    </a:gs>
-                    <a:gs pos="0">
-                      <a:srgbClr val="B4DAF1"/>
-                    </a:gs>
-                  </a:gsLst>
-                  <a:path path="circle">
-                    <a:fillToRect l="50000" t="50000" r="50000" b="50000"/>
-                  </a:path>
-                </a:gradFill>
-                <a:latin typeface="微软雅黑" pitchFamily="34" charset="-122"/>
-                <a:ea typeface="微软雅黑" pitchFamily="34" charset="-122"/>
-              </a:rPr>
-              <a:t>开发过程</a:t>
-            </a:r>
-            <a:r>
-              <a:rPr lang="en-US" altLang="zh-CN" sz="2400" b="1" dirty="0">
-                <a:gradFill>
-                  <a:gsLst>
-                    <a:gs pos="100000">
-                      <a:srgbClr val="398EB6"/>
-                    </a:gs>
-                    <a:gs pos="0">
-                      <a:srgbClr val="B4DAF1"/>
-                    </a:gs>
-                  </a:gsLst>
-                  <a:path path="circle">
-                    <a:fillToRect l="50000" t="50000" r="50000" b="50000"/>
-                  </a:path>
-                </a:gradFill>
-                <a:latin typeface="微软雅黑" pitchFamily="34" charset="-122"/>
-                <a:ea typeface="微软雅黑" pitchFamily="34" charset="-122"/>
-              </a:rPr>
-              <a:t>——</a:t>
-            </a:r>
-            <a:r>
-              <a:rPr lang="zh-CN" altLang="en-US" sz="2400" b="1" dirty="0">
-                <a:gradFill>
-                  <a:gsLst>
-                    <a:gs pos="100000">
-                      <a:srgbClr val="398EB6"/>
-                    </a:gs>
-                    <a:gs pos="0">
-                      <a:srgbClr val="B4DAF1"/>
-                    </a:gs>
-                  </a:gsLst>
-                  <a:path path="circle">
-                    <a:fillToRect l="50000" t="50000" r="50000" b="50000"/>
-                  </a:path>
-                </a:gradFill>
-                <a:latin typeface="微软雅黑" pitchFamily="34" charset="-122"/>
-                <a:ea typeface="微软雅黑" pitchFamily="34" charset="-122"/>
-              </a:rPr>
-              <a:t>软件设计流程图</a:t>
-            </a:r>
-          </a:p>
-        </p:txBody>
-      </p:sp>
-      <p:sp>
-        <p:nvSpPr>
-          <p:cNvPr id="6" name="文本框 5">
-            <a:extLst>
-              <a:ext uri="{FF2B5EF4-FFF2-40B4-BE49-F238E27FC236}">
-                <a16:creationId xmlns:a16="http://schemas.microsoft.com/office/drawing/2014/main" id="{28E8C27A-72FC-4B4F-BFCC-EC9B2CC9E74A}"/>
-              </a:ext>
-            </a:extLst>
-          </p:cNvPr>
-          <p:cNvSpPr txBox="1"/>
-          <p:nvPr/>
-        </p:nvSpPr>
-        <p:spPr>
-          <a:xfrm>
-            <a:off x="695400" y="1340768"/>
-            <a:ext cx="6768752" cy="461665"/>
-          </a:xfrm>
-          <a:prstGeom prst="rect">
-            <a:avLst/>
-          </a:prstGeom>
-          <a:noFill/>
-        </p:spPr>
-        <p:txBody>
-          <a:bodyPr wrap="square" rtlCol="0">
-            <a:spAutoFit/>
-          </a:bodyPr>
-          <a:lstStyle/>
-          <a:p>
-            <a:endParaRPr lang="zh-CN" altLang="en-US" sz="2400" dirty="0">
-              <a:solidFill>
-                <a:schemeClr val="bg1">
-                  <a:lumMod val="95000"/>
-                </a:schemeClr>
-              </a:solidFill>
-            </a:endParaRPr>
-          </a:p>
-        </p:txBody>
-      </p:sp>
-      <p:pic>
-        <p:nvPicPr>
-          <p:cNvPr id="4" name="图片 3">
-            <a:extLst>
-              <a:ext uri="{FF2B5EF4-FFF2-40B4-BE49-F238E27FC236}">
-                <a16:creationId xmlns:a16="http://schemas.microsoft.com/office/drawing/2014/main" id="{1210FAF7-ABE8-436F-9125-40B424B7CA87}"/>
-              </a:ext>
-            </a:extLst>
-          </p:cNvPr>
-          <p:cNvPicPr>
-            <a:picLocks noChangeAspect="1"/>
-          </p:cNvPicPr>
-          <p:nvPr/>
-        </p:nvPicPr>
-        <p:blipFill>
-          <a:blip r:embed="rId3"/>
-          <a:stretch>
-            <a:fillRect/>
-          </a:stretch>
-        </p:blipFill>
-        <p:spPr>
-          <a:xfrm>
-            <a:off x="3943163" y="1266465"/>
-            <a:ext cx="4241069" cy="5306966"/>
-          </a:xfrm>
-          <a:prstGeom prst="rect">
-            <a:avLst/>
-          </a:prstGeom>
-          <a:effectLst>
-            <a:outerShdw blurRad="50800" dist="50800" dir="5400000" algn="ctr" rotWithShape="0">
-              <a:srgbClr val="217392">
-                <a:alpha val="50000"/>
-              </a:srgbClr>
-            </a:outerShdw>
-          </a:effectLst>
-        </p:spPr>
-      </p:pic>
-    </p:spTree>
-    <p:extLst>
-      <p:ext uri="{BB962C8B-B14F-4D97-AF65-F5344CB8AC3E}">
-        <p14:creationId xmlns:p14="http://schemas.microsoft.com/office/powerpoint/2010/main" val="2200074057"/>
-      </p:ext>
-    </p:extLst>
-  </p:cSld>
-  <p:clrMapOvr>
-    <a:masterClrMapping/>
-  </p:clrMapOvr>
-  <mc:AlternateContent xmlns:mc="http://schemas.openxmlformats.org/markup-compatibility/2006" xmlns:p14="http://schemas.microsoft.com/office/powerpoint/2010/main">
-    <mc:Choice Requires="p14">
-      <p:transition p14:dur="0" advTm="2580"/>
-    </mc:Choice>
-    <mc:Fallback xmlns="">
-      <p:transition advTm="2580"/>
-    </mc:Fallback>
-  </mc:AlternateContent>
-</p:sld>
-</file>
-
-<file path=ppt/slides/slide9.xml><?xml version="1.0" encoding="utf-8"?>
-<p:sld xmlns:a="http://schemas.openxmlformats.org/drawingml/2006/main" xmlns:r="http://schemas.openxmlformats.org/officeDocument/2006/relationships" xmlns:p="http://schemas.openxmlformats.org/presentationml/2006/main">
-  <p:cSld>
-    <p:spTree>
-      <p:nvGrpSpPr>
-        <p:cNvPr id="1" name=""/>
-        <p:cNvGrpSpPr/>
-        <p:nvPr/>
-      </p:nvGrpSpPr>
-      <p:grpSpPr>
-        <a:xfrm>
-          <a:off x="0" y="0"/>
-          <a:ext cx="0" cy="0"/>
-          <a:chOff x="0" y="0"/>
-          <a:chExt cx="0" cy="0"/>
-        </a:xfrm>
-      </p:grpSpPr>
-      <p:sp>
-        <p:nvSpPr>
-          <p:cNvPr id="8" name="矩形 7"/>
-          <p:cNvSpPr/>
-          <p:nvPr/>
-        </p:nvSpPr>
-        <p:spPr>
-          <a:xfrm>
-            <a:off x="1055440" y="476672"/>
-            <a:ext cx="4536504" cy="461665"/>
-          </a:xfrm>
-          <a:prstGeom prst="rect">
-            <a:avLst/>
-          </a:prstGeom>
-        </p:spPr>
-        <p:txBody>
-          <a:bodyPr wrap="square">
-            <a:spAutoFit/>
-          </a:bodyPr>
-          <a:lstStyle/>
-          <a:p>
-            <a:r>
-              <a:rPr lang="zh-CN" altLang="en-US" sz="2400" b="1" dirty="0">
-                <a:gradFill>
-                  <a:gsLst>
-                    <a:gs pos="100000">
-                      <a:srgbClr val="398EB6"/>
-                    </a:gs>
-                    <a:gs pos="0">
-                      <a:srgbClr val="B4DAF1"/>
-                    </a:gs>
-                  </a:gsLst>
-                  <a:path path="circle">
-                    <a:fillToRect l="50000" t="50000" r="50000" b="50000"/>
-                  </a:path>
-                </a:gradFill>
-                <a:latin typeface="微软雅黑" pitchFamily="34" charset="-122"/>
-                <a:ea typeface="微软雅黑" pitchFamily="34" charset="-122"/>
-              </a:rPr>
-              <a:t>开发过程</a:t>
-            </a:r>
-            <a:r>
-              <a:rPr lang="en-US" altLang="zh-CN" sz="2400" b="1" dirty="0">
-                <a:gradFill>
-                  <a:gsLst>
-                    <a:gs pos="100000">
-                      <a:srgbClr val="398EB6"/>
-                    </a:gs>
-                    <a:gs pos="0">
-                      <a:srgbClr val="B4DAF1"/>
-                    </a:gs>
-                  </a:gsLst>
-                  <a:path path="circle">
-                    <a:fillToRect l="50000" t="50000" r="50000" b="50000"/>
-                  </a:path>
-                </a:gradFill>
-                <a:latin typeface="微软雅黑" pitchFamily="34" charset="-122"/>
-                <a:ea typeface="微软雅黑" pitchFamily="34" charset="-122"/>
-              </a:rPr>
-              <a:t>——</a:t>
-            </a:r>
-            <a:r>
-              <a:rPr lang="zh-CN" altLang="en-US" sz="2400" b="1" dirty="0">
-                <a:gradFill>
-                  <a:gsLst>
-                    <a:gs pos="100000">
-                      <a:srgbClr val="398EB6"/>
-                    </a:gs>
-                    <a:gs pos="0">
-                      <a:srgbClr val="B4DAF1"/>
-                    </a:gs>
-                  </a:gsLst>
-                  <a:path path="circle">
-                    <a:fillToRect l="50000" t="50000" r="50000" b="50000"/>
-                  </a:path>
-                </a:gradFill>
-                <a:latin typeface="微软雅黑" pitchFamily="34" charset="-122"/>
-                <a:ea typeface="微软雅黑" pitchFamily="34" charset="-122"/>
-              </a:rPr>
               <a:t>主要困难与解决</a:t>
             </a:r>
           </a:p>
@@ -12909,7 +13127,7 @@
         </p:nvSpPr>
         <p:spPr>
           <a:xfrm>
-            <a:off x="1716542" y="2415873"/>
+            <a:off x="1737243" y="2852936"/>
             <a:ext cx="411865" cy="461665"/>
           </a:xfrm>
           <a:prstGeom prst="irregularSeal1">
@@ -12943,10 +13161,55 @@
       </p:sp>
       <p:sp>
         <p:nvSpPr>
-          <p:cNvPr id="12" name="爆炸形: 8 pt  11">
+          <p:cNvPr id="3" name="文本框 2">
             <a:extLst>
               <a:ext uri="{FF2B5EF4-FFF2-40B4-BE49-F238E27FC236}">
-                <a16:creationId xmlns:a16="http://schemas.microsoft.com/office/drawing/2014/main" id="{016138D8-5AB9-459F-A671-8DF787D141BF}"/>
+                <a16:creationId xmlns:a16="http://schemas.microsoft.com/office/drawing/2014/main" id="{8F209705-6FB1-4B1C-A9C1-58A4C67EF6D7}"/>
+              </a:ext>
+            </a:extLst>
+          </p:cNvPr>
+          <p:cNvSpPr txBox="1"/>
+          <p:nvPr/>
+        </p:nvSpPr>
+        <p:spPr>
+          <a:xfrm>
+            <a:off x="2128407" y="2780928"/>
+            <a:ext cx="8712968" cy="677108"/>
+          </a:xfrm>
+          <a:prstGeom prst="rect">
+            <a:avLst/>
+          </a:prstGeom>
+          <a:noFill/>
+        </p:spPr>
+        <p:txBody>
+          <a:bodyPr wrap="square" rtlCol="0">
+            <a:spAutoFit/>
+          </a:bodyPr>
+          <a:lstStyle/>
+          <a:p>
+            <a:r>
+              <a:rPr lang="zh-CN" altLang="en-US" sz="2000" dirty="0">
+                <a:solidFill>
+                  <a:schemeClr val="bg1"/>
+                </a:solidFill>
+                <a:latin typeface="微软雅黑" pitchFamily="34" charset="-122"/>
+                <a:ea typeface="微软雅黑" pitchFamily="34" charset="-122"/>
+                <a:cs typeface="Arial Unicode MS" pitchFamily="34" charset="-122"/>
+              </a:rPr>
+              <a:t>使用传统的检测凸包筛选指尖的方法，手势识别的准确率不高，</a:t>
+            </a:r>
+          </a:p>
+          <a:p>
+            <a:endParaRPr lang="zh-CN" altLang="en-US" dirty="0"/>
+          </a:p>
+        </p:txBody>
+      </p:sp>
+      <p:sp>
+        <p:nvSpPr>
+          <p:cNvPr id="7" name="爆炸形: 8 pt  6">
+            <a:extLst>
+              <a:ext uri="{FF2B5EF4-FFF2-40B4-BE49-F238E27FC236}">
+                <a16:creationId xmlns:a16="http://schemas.microsoft.com/office/drawing/2014/main" id="{33AD5F6E-67C3-437A-B85D-992D31A691EC}"/>
               </a:ext>
             </a:extLst>
           </p:cNvPr>
@@ -12955,8 +13218,8 @@
         </p:nvSpPr>
         <p:spPr>
           <a:xfrm>
-            <a:off x="1742539" y="3579028"/>
-            <a:ext cx="372838" cy="452206"/>
+            <a:off x="1749570" y="3773212"/>
+            <a:ext cx="411865" cy="461665"/>
           </a:xfrm>
           <a:prstGeom prst="irregularSeal1">
             <a:avLst/>
@@ -12989,34 +13252,33 @@
       </p:sp>
       <p:sp>
         <p:nvSpPr>
-          <p:cNvPr id="3" name="文本框 2">
+          <p:cNvPr id="5" name="矩形 4">
             <a:extLst>
               <a:ext uri="{FF2B5EF4-FFF2-40B4-BE49-F238E27FC236}">
-                <a16:creationId xmlns:a16="http://schemas.microsoft.com/office/drawing/2014/main" id="{8F209705-6FB1-4B1C-A9C1-58A4C67EF6D7}"/>
+                <a16:creationId xmlns:a16="http://schemas.microsoft.com/office/drawing/2014/main" id="{BBF371A5-F0F6-4C8F-9E04-CEF6BE8A3DF5}"/>
               </a:ext>
             </a:extLst>
           </p:cNvPr>
-          <p:cNvSpPr txBox="1"/>
+          <p:cNvSpPr/>
           <p:nvPr/>
         </p:nvSpPr>
         <p:spPr>
           <a:xfrm>
-            <a:off x="2115377" y="2415873"/>
-            <a:ext cx="8712968" cy="984885"/>
+            <a:off x="2161435" y="3773212"/>
+            <a:ext cx="6325771" cy="369332"/>
           </a:xfrm>
           <a:prstGeom prst="rect">
             <a:avLst/>
           </a:prstGeom>
-          <a:noFill/>
         </p:spPr>
         <p:txBody>
-          <a:bodyPr wrap="square" rtlCol="0">
+          <a:bodyPr wrap="none">
             <a:spAutoFit/>
           </a:bodyPr>
           <a:lstStyle/>
           <a:p>
             <a:r>
-              <a:rPr lang="zh-CN" altLang="en-US" sz="2000" dirty="0">
+              <a:rPr lang="zh-CN" altLang="en-US" dirty="0">
                 <a:solidFill>
                   <a:schemeClr val="bg1"/>
                 </a:solidFill>
@@ -13024,10 +13286,10 @@
                 <a:ea typeface="微软雅黑" pitchFamily="34" charset="-122"/>
                 <a:cs typeface="Arial Unicode MS" pitchFamily="34" charset="-122"/>
               </a:rPr>
-              <a:t>使用传统的检测凸包筛选指尖的方法，手势识别的准确率不高，后来我们结合了</a:t>
-            </a:r>
-            <a:r>
-              <a:rPr lang="en-US" altLang="zh-CN" sz="2000" dirty="0">
+              <a:t>利用百度</a:t>
+            </a:r>
+            <a:r>
+              <a:rPr lang="en-US" altLang="zh-CN" dirty="0">
                 <a:solidFill>
                   <a:schemeClr val="bg1"/>
                 </a:solidFill>
@@ -13038,7 +13300,7 @@
               <a:t>API</a:t>
             </a:r>
             <a:r>
-              <a:rPr lang="zh-CN" altLang="en-US" sz="2000" dirty="0">
+              <a:rPr lang="zh-CN" altLang="en-US" dirty="0">
                 <a:solidFill>
                   <a:schemeClr val="bg1"/>
                 </a:solidFill>
@@ -13046,61 +13308,117 @@
                 <a:ea typeface="微软雅黑" pitchFamily="34" charset="-122"/>
                 <a:cs typeface="Arial Unicode MS" pitchFamily="34" charset="-122"/>
               </a:rPr>
-              <a:t>提高了手势识别的准确性</a:t>
-            </a:r>
-          </a:p>
-          <a:p>
+              <a:t>可以提高手势识别的准确性，但处理速度不够。</a:t>
+            </a:r>
             <a:endParaRPr lang="zh-CN" altLang="en-US" dirty="0"/>
           </a:p>
         </p:txBody>
       </p:sp>
       <p:sp>
         <p:nvSpPr>
-          <p:cNvPr id="4" name="文本框 3">
+          <p:cNvPr id="9" name="爆炸形: 8 pt  8">
             <a:extLst>
               <a:ext uri="{FF2B5EF4-FFF2-40B4-BE49-F238E27FC236}">
-                <a16:creationId xmlns:a16="http://schemas.microsoft.com/office/drawing/2014/main" id="{215D2767-87FC-40CE-B11D-2AFECD11F681}"/>
+                <a16:creationId xmlns:a16="http://schemas.microsoft.com/office/drawing/2014/main" id="{2F302948-6298-4052-9738-F69976175048}"/>
               </a:ext>
             </a:extLst>
           </p:cNvPr>
-          <p:cNvSpPr txBox="1"/>
+          <p:cNvSpPr/>
           <p:nvPr/>
         </p:nvSpPr>
         <p:spPr>
           <a:xfrm>
-            <a:off x="2115377" y="3579028"/>
-            <a:ext cx="8905002" cy="677108"/>
+            <a:off x="1716542" y="4550053"/>
+            <a:ext cx="411865" cy="461665"/>
+          </a:xfrm>
+          <a:prstGeom prst="irregularSeal1">
+            <a:avLst/>
+          </a:prstGeom>
+        </p:spPr>
+        <p:style>
+          <a:lnRef idx="2">
+            <a:schemeClr val="accent1">
+              <a:shade val="50000"/>
+            </a:schemeClr>
+          </a:lnRef>
+          <a:fillRef idx="1">
+            <a:schemeClr val="accent1"/>
+          </a:fillRef>
+          <a:effectRef idx="0">
+            <a:schemeClr val="accent1"/>
+          </a:effectRef>
+          <a:fontRef idx="minor">
+            <a:schemeClr val="lt1"/>
+          </a:fontRef>
+        </p:style>
+        <p:txBody>
+          <a:bodyPr rtlCol="0" anchor="ctr"/>
+          <a:lstStyle/>
+          <a:p>
+            <a:pPr algn="ctr"/>
+            <a:endParaRPr lang="zh-CN" altLang="en-US"/>
+          </a:p>
+        </p:txBody>
+      </p:sp>
+      <p:sp>
+        <p:nvSpPr>
+          <p:cNvPr id="10" name="矩形 9">
+            <a:extLst>
+              <a:ext uri="{FF2B5EF4-FFF2-40B4-BE49-F238E27FC236}">
+                <a16:creationId xmlns:a16="http://schemas.microsoft.com/office/drawing/2014/main" id="{CECE437A-6C2E-4604-926D-7C3FC96AA77A}"/>
+              </a:ext>
+            </a:extLst>
+          </p:cNvPr>
+          <p:cNvSpPr/>
+          <p:nvPr/>
+        </p:nvSpPr>
+        <p:spPr>
+          <a:xfrm>
+            <a:off x="2161435" y="4642386"/>
+            <a:ext cx="7643439" cy="369332"/>
           </a:xfrm>
           <a:prstGeom prst="rect">
             <a:avLst/>
           </a:prstGeom>
-          <a:noFill/>
         </p:spPr>
         <p:txBody>
-          <a:bodyPr wrap="none" rtlCol="0">
+          <a:bodyPr wrap="none">
             <a:spAutoFit/>
           </a:bodyPr>
           <a:lstStyle/>
           <a:p>
             <a:r>
-              <a:rPr lang="zh-CN" altLang="en-US" sz="2000" dirty="0">
+              <a:rPr lang="zh-CN" altLang="en-US" dirty="0">
                 <a:solidFill>
                   <a:schemeClr val="bg1"/>
                 </a:solidFill>
                 <a:latin typeface="微软雅黑" pitchFamily="34" charset="-122"/>
                 <a:ea typeface="微软雅黑" pitchFamily="34" charset="-122"/>
               </a:rPr>
-              <a:t>抗干扰性能不强，如果在图像上加一些干扰，网络的结果可能变得不可接受。</a:t>
-            </a:r>
-            <a:endParaRPr lang="en-US" altLang="zh-CN" sz="2000" dirty="0">
-              <a:solidFill>
-                <a:schemeClr val="bg1"/>
-              </a:solidFill>
-              <a:latin typeface="微软雅黑" pitchFamily="34" charset="-122"/>
-              <a:ea typeface="微软雅黑" pitchFamily="34" charset="-122"/>
-            </a:endParaRPr>
-          </a:p>
-          <a:p>
+              <a:t>二者结合，每当利用传统</a:t>
+            </a:r>
+            <a:r>
+              <a:rPr lang="zh-CN" altLang="en-US" dirty="0">
+                <a:solidFill>
+                  <a:schemeClr val="bg1"/>
+                </a:solidFill>
+                <a:latin typeface="微软雅黑" pitchFamily="34" charset="-122"/>
+                <a:ea typeface="微软雅黑" pitchFamily="34" charset="-122"/>
+                <a:cs typeface="Arial Unicode MS" pitchFamily="34" charset="-122"/>
+              </a:rPr>
+              <a:t>的检测凸包筛选指尖方法检测到五次时，利用</a:t>
+            </a:r>
+            <a:r>
+              <a:rPr lang="en-US" altLang="zh-CN" dirty="0">
+                <a:solidFill>
+                  <a:schemeClr val="bg1"/>
+                </a:solidFill>
+                <a:latin typeface="微软雅黑" pitchFamily="34" charset="-122"/>
+                <a:ea typeface="微软雅黑" pitchFamily="34" charset="-122"/>
+                <a:cs typeface="Arial Unicode MS" pitchFamily="34" charset="-122"/>
+              </a:rPr>
+              <a:t>API</a:t>
+            </a:r>
             <a:endParaRPr lang="zh-CN" altLang="en-US" dirty="0"/>
           </a:p>
         </p:txBody>
